--- a/RA-L Hetro Sensors/pictures/CannonPicture.pptx
+++ b/RA-L Hetro Sensors/pictures/CannonPicture.pptx
@@ -3043,10 +3043,10 @@
         </p:nvGrpSpPr>
         <p:grpSpPr>
           <a:xfrm flipH="1">
-            <a:off x="-490943" y="-1"/>
-            <a:ext cx="5467219" cy="2180047"/>
+            <a:off x="-537988" y="-1"/>
+            <a:ext cx="5514264" cy="2180047"/>
             <a:chOff x="-473908" y="-3"/>
-            <a:chExt cx="10934437" cy="4348267"/>
+            <a:chExt cx="11028527" cy="4348267"/>
           </a:xfrm>
         </p:grpSpPr>
         <p:pic>
@@ -3135,7 +3135,7 @@
             <a:prstGeom prst="line">
               <a:avLst/>
             </a:prstGeom>
-            <a:ln w="63500" cap="flat" cmpd="sng" algn="ctr">
+            <a:ln w="12700" cap="flat" cmpd="sng" algn="ctr">
               <a:solidFill>
                 <a:srgbClr val="FFFF00"/>
               </a:solidFill>
@@ -3174,7 +3174,7 @@
             <a:prstGeom prst="line">
               <a:avLst/>
             </a:prstGeom>
-            <a:ln w="76200" cap="flat" cmpd="sng" algn="ctr">
+            <a:ln w="12700" cap="flat" cmpd="sng" algn="ctr">
               <a:solidFill>
                 <a:srgbClr val="FFFF00"/>
               </a:solidFill>
@@ -3207,13 +3207,13 @@
           </p:nvCxnSpPr>
           <p:spPr>
             <a:xfrm>
-              <a:off x="5492642" y="2722137"/>
-              <a:ext cx="3343347" cy="1588"/>
+              <a:off x="5586731" y="2722137"/>
+              <a:ext cx="3343348" cy="1588"/>
             </a:xfrm>
             <a:prstGeom prst="line">
               <a:avLst/>
             </a:prstGeom>
-            <a:ln w="76200" cap="flat" cmpd="sng" algn="ctr">
+            <a:ln w="12700" cap="flat" cmpd="sng" algn="ctr">
               <a:solidFill>
                 <a:srgbClr val="FFFF00"/>
               </a:solidFill>
@@ -3245,16 +3245,16 @@
             <p:nvPr/>
           </p:nvCxnSpPr>
           <p:spPr>
-            <a:xfrm rot="10800000">
-              <a:off x="6089669" y="453775"/>
-              <a:ext cx="2746321" cy="2268363"/>
+            <a:xfrm flipH="1" flipV="1">
+              <a:off x="6108909" y="453775"/>
+              <a:ext cx="2821170" cy="2268362"/>
             </a:xfrm>
             <a:prstGeom prst="line">
               <a:avLst/>
             </a:prstGeom>
-            <a:ln w="76200" cap="flat" cmpd="sng" algn="ctr">
+            <a:ln w="12700" cap="flat" cmpd="sng" algn="ctr">
               <a:solidFill>
-                <a:srgbClr val="FFFF00"/>
+                <a:schemeClr val="tx1"/>
               </a:solidFill>
               <a:prstDash val="solid"/>
               <a:round/>
@@ -3335,12 +3335,12 @@
           </p:nvSpPr>
           <p:spPr>
             <a:xfrm flipH="1">
-              <a:off x="7211450" y="1099185"/>
-              <a:ext cx="3249079" cy="3249079"/>
+              <a:off x="7305539" y="1099185"/>
+              <a:ext cx="3249080" cy="3249079"/>
             </a:xfrm>
             <a:prstGeom prst="arc">
               <a:avLst>
-                <a:gd name="adj1" fmla="val 19159832"/>
+                <a:gd name="adj1" fmla="val 19269016"/>
                 <a:gd name="adj2" fmla="val 0"/>
               </a:avLst>
             </a:prstGeom>
@@ -3380,73 +3380,6 @@
       </p:grpSp>
       <p:sp>
         <p:nvSpPr>
-          <p:cNvPr id="86" name="TextBox 85"/>
-          <p:cNvSpPr txBox="1"/>
-          <p:nvPr/>
-        </p:nvSpPr>
-        <p:spPr>
-          <a:xfrm>
-            <a:off x="3452010" y="1013792"/>
-            <a:ext cx="211728" cy="262322"/>
-          </a:xfrm>
-          <a:prstGeom prst="rect">
-            <a:avLst/>
-          </a:prstGeom>
-          <a:noFill/>
-        </p:spPr>
-        <p:txBody>
-          <a:bodyPr wrap="square" lIns="45747" tIns="22874" rIns="45747" bIns="22874" rtlCol="0">
-            <a:spAutoFit/>
-          </a:bodyPr>
-          <a:lstStyle/>
-          <a:p>
-            <a:r>
-              <a:rPr lang="en-US" sz="1400" i="1" dirty="0" err="1">
-                <a:ln>
-                  <a:solidFill>
-                    <a:srgbClr val="FFFF00"/>
-                  </a:solidFill>
-                </a:ln>
-                <a:solidFill>
-                  <a:srgbClr val="FFFF00"/>
-                </a:solidFill>
-                <a:latin typeface="Times New Roman"/>
-                <a:cs typeface="Times New Roman"/>
-              </a:rPr>
-              <a:t>θ</a:t>
-            </a:r>
-            <a:r>
-              <a:rPr lang="en-US" sz="1400" i="1" baseline="-25000" dirty="0" err="1">
-                <a:ln>
-                  <a:solidFill>
-                    <a:srgbClr val="FFFF00"/>
-                  </a:solidFill>
-                </a:ln>
-                <a:solidFill>
-                  <a:srgbClr val="FFFF00"/>
-                </a:solidFill>
-                <a:latin typeface="Times New Roman"/>
-                <a:cs typeface="Times New Roman"/>
-              </a:rPr>
-              <a:t>i</a:t>
-            </a:r>
-            <a:endParaRPr lang="en-US" sz="1400" i="1" dirty="0">
-              <a:ln>
-                <a:solidFill>
-                  <a:srgbClr val="FFFF00"/>
-                </a:solidFill>
-              </a:ln>
-              <a:solidFill>
-                <a:srgbClr val="FFFF00"/>
-              </a:solidFill>
-              <a:latin typeface="Times New Roman"/>
-              <a:cs typeface="Times New Roman"/>
-            </a:endParaRPr>
-          </a:p>
-        </p:txBody>
-      </p:sp>
-      <p:sp>
-        <p:nvSpPr>
           <p:cNvPr id="12" name="TextBox 11"/>
           <p:cNvSpPr txBox="1"/>
           <p:nvPr/>
@@ -3460,6 +3393,9 @@
             <a:avLst/>
           </a:prstGeom>
           <a:noFill/>
+          <a:ln>
+            <a:noFill/>
+          </a:ln>
         </p:spPr>
         <p:txBody>
           <a:bodyPr wrap="square" lIns="45747" tIns="22874" rIns="45747" bIns="22874" rtlCol="0">
@@ -3469,14 +3405,10 @@
           <a:p>
             <a:r>
               <a:rPr lang="en-US" sz="1400" i="1" dirty="0" err="1">
-                <a:ln>
-                  <a:solidFill>
-                    <a:srgbClr val="FFFF00"/>
-                  </a:solidFill>
-                </a:ln>
                 <a:solidFill>
                   <a:srgbClr val="FFFF00"/>
                 </a:solidFill>
+                <a:effectLst/>
                 <a:latin typeface="Times New Roman"/>
                 <a:cs typeface="Times New Roman"/>
               </a:rPr>
@@ -3484,28 +3416,172 @@
             </a:r>
             <a:r>
               <a:rPr lang="en-US" sz="1400" i="1" baseline="-25000" dirty="0" err="1">
-                <a:ln>
-                  <a:solidFill>
-                    <a:srgbClr val="FFFF00"/>
-                  </a:solidFill>
-                </a:ln>
                 <a:solidFill>
                   <a:srgbClr val="FFFF00"/>
                 </a:solidFill>
+                <a:effectLst/>
                 <a:latin typeface="Times New Roman"/>
                 <a:cs typeface="Times New Roman"/>
               </a:rPr>
               <a:t>f</a:t>
             </a:r>
             <a:endParaRPr lang="en-US" sz="1400" i="1" dirty="0">
-              <a:ln>
+              <a:solidFill>
+                <a:srgbClr val="FFFF00"/>
+              </a:solidFill>
+              <a:effectLst/>
+              <a:latin typeface="Times New Roman"/>
+              <a:cs typeface="Times New Roman"/>
+            </a:endParaRPr>
+          </a:p>
+        </p:txBody>
+      </p:sp>
+      <p:sp>
+        <p:nvSpPr>
+          <p:cNvPr id="15" name="TextBox 14"/>
+          <p:cNvSpPr txBox="1"/>
+          <p:nvPr/>
+        </p:nvSpPr>
+        <p:spPr>
+          <a:xfrm>
+            <a:off x="3472074" y="1027166"/>
+            <a:ext cx="211728" cy="261638"/>
+          </a:xfrm>
+          <a:prstGeom prst="rect">
+            <a:avLst/>
+          </a:prstGeom>
+          <a:noFill/>
+          <a:ln>
+            <a:noFill/>
+          </a:ln>
+        </p:spPr>
+        <p:txBody>
+          <a:bodyPr wrap="square" lIns="45747" tIns="22874" rIns="45747" bIns="22874" rtlCol="0">
+            <a:spAutoFit/>
+          </a:bodyPr>
+          <a:lstStyle/>
+          <a:p>
+            <a:r>
+              <a:rPr lang="en-US" sz="1400" i="1" dirty="0" err="1" smtClean="0">
                 <a:solidFill>
                   <a:srgbClr val="FFFF00"/>
                 </a:solidFill>
-              </a:ln>
+                <a:effectLst/>
+                <a:latin typeface="Times New Roman"/>
+                <a:cs typeface="Times New Roman"/>
+              </a:rPr>
+              <a:t>θ</a:t>
+            </a:r>
+            <a:r>
+              <a:rPr lang="en-US" sz="1400" i="1" baseline="-25000" dirty="0" err="1" smtClean="0">
+                <a:solidFill>
+                  <a:srgbClr val="FFFF00"/>
+                </a:solidFill>
+                <a:effectLst/>
+                <a:latin typeface="Times New Roman"/>
+                <a:cs typeface="Times New Roman"/>
+              </a:rPr>
+              <a:t>i</a:t>
+            </a:r>
+            <a:endParaRPr lang="en-US" sz="1400" i="1" dirty="0">
               <a:solidFill>
                 <a:srgbClr val="FFFF00"/>
               </a:solidFill>
+              <a:effectLst/>
+              <a:latin typeface="Times New Roman"/>
+              <a:cs typeface="Times New Roman"/>
+            </a:endParaRPr>
+          </a:p>
+        </p:txBody>
+      </p:sp>
+      <p:sp>
+        <p:nvSpPr>
+          <p:cNvPr id="16" name="TextBox 15"/>
+          <p:cNvSpPr txBox="1"/>
+          <p:nvPr/>
+        </p:nvSpPr>
+        <p:spPr>
+          <a:xfrm>
+            <a:off x="168418" y="96344"/>
+            <a:ext cx="211728" cy="262322"/>
+          </a:xfrm>
+          <a:prstGeom prst="rect">
+            <a:avLst/>
+          </a:prstGeom>
+          <a:noFill/>
+          <a:ln>
+            <a:noFill/>
+          </a:ln>
+        </p:spPr>
+        <p:txBody>
+          <a:bodyPr wrap="square" lIns="45747" tIns="22874" rIns="45747" bIns="22874" rtlCol="0">
+            <a:spAutoFit/>
+          </a:bodyPr>
+          <a:lstStyle/>
+          <a:p>
+            <a:r>
+              <a:rPr lang="en-US" sz="1400" b="1" dirty="0" smtClean="0">
+                <a:solidFill>
+                  <a:srgbClr val="FFFF00"/>
+                </a:solidFill>
+                <a:effectLst/>
+                <a:latin typeface="Times New Roman"/>
+                <a:cs typeface="Times New Roman"/>
+              </a:rPr>
+              <a:t>a</a:t>
+            </a:r>
+            <a:endParaRPr lang="en-US" sz="1400" b="1" dirty="0">
+              <a:solidFill>
+                <a:srgbClr val="FFFF00"/>
+              </a:solidFill>
+              <a:effectLst/>
+              <a:latin typeface="Times New Roman"/>
+              <a:cs typeface="Times New Roman"/>
+            </a:endParaRPr>
+          </a:p>
+        </p:txBody>
+      </p:sp>
+      <p:sp>
+        <p:nvSpPr>
+          <p:cNvPr id="17" name="TextBox 16"/>
+          <p:cNvSpPr txBox="1"/>
+          <p:nvPr/>
+        </p:nvSpPr>
+        <p:spPr>
+          <a:xfrm>
+            <a:off x="2330524" y="96344"/>
+            <a:ext cx="211728" cy="262322"/>
+          </a:xfrm>
+          <a:prstGeom prst="rect">
+            <a:avLst/>
+          </a:prstGeom>
+          <a:noFill/>
+          <a:ln>
+            <a:noFill/>
+          </a:ln>
+        </p:spPr>
+        <p:txBody>
+          <a:bodyPr wrap="square" lIns="45747" tIns="22874" rIns="45747" bIns="22874" rtlCol="0">
+            <a:spAutoFit/>
+          </a:bodyPr>
+          <a:lstStyle/>
+          <a:p>
+            <a:r>
+              <a:rPr lang="en-US" sz="1400" b="1" dirty="0" smtClean="0">
+                <a:solidFill>
+                  <a:srgbClr val="FFFF00"/>
+                </a:solidFill>
+                <a:effectLst/>
+                <a:latin typeface="Times New Roman"/>
+                <a:cs typeface="Times New Roman"/>
+              </a:rPr>
+              <a:t>b</a:t>
+            </a:r>
+            <a:endParaRPr lang="en-US" sz="1400" b="1" dirty="0">
+              <a:solidFill>
+                <a:srgbClr val="FFFF00"/>
+              </a:solidFill>
+              <a:effectLst/>
               <a:latin typeface="Times New Roman"/>
               <a:cs typeface="Times New Roman"/>
             </a:endParaRPr>
